--- a/BizSource - interfejsi u Microsft AL Programskom jeziku.pptx
+++ b/BizSource - interfejsi u Microsft AL Programskom jeziku.pptx
@@ -353,7 +353,7 @@
           <a:p>
             <a:fld id="{E0C7E02C-0A06-4791-A8A8-BA8CDCE18944}" type="datetimeFigureOut">
               <a:rPr lang="en-US" smtClean="0"/>
-              <a:t>4/19/2024</a:t>
+              <a:t>4/23/2024</a:t>
             </a:fld>
             <a:endParaRPr lang="en-US"/>
           </a:p>
@@ -546,7 +546,7 @@
           <a:p>
             <a:fld id="{8F5D9CB4-85BC-4210-90D6-23937F767F8B}" type="datetimeFigureOut">
               <a:rPr lang="en-US" smtClean="0"/>
-              <a:t>4/22/2024</a:t>
+              <a:t>4/23/2024</a:t>
             </a:fld>
             <a:endParaRPr lang="en-US"/>
           </a:p>
@@ -906,7 +906,7 @@
                 </a:highlight>
                 <a:latin typeface="Graphik Meetup"/>
               </a:rPr>
-              <a:t>internacionalnoj</a:t>
+              <a:t>kompaniji</a:t>
             </a:r>
             <a:r>
               <a:rPr lang="en-US" b="0" i="0" dirty="0">
@@ -932,7 +932,7 @@
                 </a:highlight>
                 <a:latin typeface="Graphik Meetup"/>
               </a:rPr>
-              <a:t>kompaniji</a:t>
+              <a:t>Simplanova</a:t>
             </a:r>
             <a:r>
               <a:rPr lang="en-US" b="0" i="0" dirty="0">
@@ -958,6 +958,110 @@
                 </a:highlight>
                 <a:latin typeface="Graphik Meetup"/>
               </a:rPr>
+              <a:t>Srbija</a:t>
+            </a:r>
+            <a:r>
+              <a:rPr lang="en-US" b="0" i="0" dirty="0">
+                <a:solidFill>
+                  <a:srgbClr val="000000"/>
+                </a:solidFill>
+                <a:effectLst/>
+                <a:highlight>
+                  <a:srgbClr val="F6F7F8"/>
+                </a:highlight>
+                <a:latin typeface="Graphik Meetup"/>
+              </a:rPr>
+              <a:t> </a:t>
+            </a:r>
+            <a:r>
+              <a:rPr lang="en-US" b="0" i="0" dirty="0" err="1">
+                <a:solidFill>
+                  <a:srgbClr val="000000"/>
+                </a:solidFill>
+                <a:effectLst/>
+                <a:highlight>
+                  <a:srgbClr val="F6F7F8"/>
+                </a:highlight>
+                <a:latin typeface="Graphik Meetup"/>
+              </a:rPr>
+              <a:t>koja</a:t>
+            </a:r>
+            <a:r>
+              <a:rPr lang="en-US" b="0" i="0" dirty="0">
+                <a:solidFill>
+                  <a:srgbClr val="000000"/>
+                </a:solidFill>
+                <a:effectLst/>
+                <a:highlight>
+                  <a:srgbClr val="F6F7F8"/>
+                </a:highlight>
+                <a:latin typeface="Graphik Meetup"/>
+              </a:rPr>
+              <a:t> je </a:t>
+            </a:r>
+            <a:r>
+              <a:rPr lang="en-US" b="0" i="0" dirty="0" err="1">
+                <a:solidFill>
+                  <a:srgbClr val="000000"/>
+                </a:solidFill>
+                <a:effectLst/>
+                <a:highlight>
+                  <a:srgbClr val="F6F7F8"/>
+                </a:highlight>
+                <a:latin typeface="Graphik Meetup"/>
+              </a:rPr>
+              <a:t>cerka</a:t>
+            </a:r>
+            <a:r>
+              <a:rPr lang="en-US" b="0" i="0" dirty="0">
+                <a:solidFill>
+                  <a:srgbClr val="000000"/>
+                </a:solidFill>
+                <a:effectLst/>
+                <a:highlight>
+                  <a:srgbClr val="F6F7F8"/>
+                </a:highlight>
+                <a:latin typeface="Graphik Meetup"/>
+              </a:rPr>
+              <a:t> </a:t>
+            </a:r>
+            <a:r>
+              <a:rPr lang="en-US" b="0" i="0" dirty="0" err="1">
+                <a:solidFill>
+                  <a:srgbClr val="000000"/>
+                </a:solidFill>
+                <a:effectLst/>
+                <a:highlight>
+                  <a:srgbClr val="F6F7F8"/>
+                </a:highlight>
+                <a:latin typeface="Graphik Meetup"/>
+              </a:rPr>
+              <a:t>firme</a:t>
+            </a:r>
+            <a:r>
+              <a:rPr lang="en-US" b="0" i="0" dirty="0">
+                <a:solidFill>
+                  <a:srgbClr val="000000"/>
+                </a:solidFill>
+                <a:effectLst/>
+                <a:highlight>
+                  <a:srgbClr val="F6F7F8"/>
+                </a:highlight>
+                <a:latin typeface="Graphik Meetup"/>
+              </a:rPr>
+              <a:t> </a:t>
+            </a:r>
+            <a:r>
+              <a:rPr lang="en-US" b="0" i="0" dirty="0" err="1">
+                <a:solidFill>
+                  <a:srgbClr val="000000"/>
+                </a:solidFill>
+                <a:effectLst/>
+                <a:highlight>
+                  <a:srgbClr val="F6F7F8"/>
+                </a:highlight>
+                <a:latin typeface="Graphik Meetup"/>
+              </a:rPr>
               <a:t>Simplanova</a:t>
             </a:r>
             <a:r>
@@ -971,7 +1075,7 @@
                 </a:highlight>
                 <a:latin typeface="Graphik Meetup"/>
               </a:rPr>
-              <a:t> Solutions </a:t>
+              <a:t> iz </a:t>
             </a:r>
             <a:r>
               <a:rPr lang="en-US" b="0" i="0" dirty="0" err="1">
@@ -984,7 +1088,85 @@
                 </a:highlight>
                 <a:latin typeface="Graphik Meetup"/>
               </a:rPr>
-              <a:t>Srbija</a:t>
+              <a:t>litvanije</a:t>
+            </a:r>
+            <a:r>
+              <a:rPr lang="en-US" b="0" i="0" dirty="0">
+                <a:solidFill>
+                  <a:srgbClr val="000000"/>
+                </a:solidFill>
+                <a:effectLst/>
+                <a:highlight>
+                  <a:srgbClr val="F6F7F8"/>
+                </a:highlight>
+                <a:latin typeface="Graphik Meetup"/>
+              </a:rPr>
+              <a:t> </a:t>
+            </a:r>
+            <a:r>
+              <a:rPr lang="en-US" b="0" i="0" dirty="0" err="1">
+                <a:solidFill>
+                  <a:srgbClr val="000000"/>
+                </a:solidFill>
+                <a:effectLst/>
+                <a:highlight>
+                  <a:srgbClr val="F6F7F8"/>
+                </a:highlight>
+                <a:latin typeface="Graphik Meetup"/>
+              </a:rPr>
+              <a:t>jedne</a:t>
+            </a:r>
+            <a:r>
+              <a:rPr lang="en-US" b="0" i="0" dirty="0">
+                <a:solidFill>
+                  <a:srgbClr val="000000"/>
+                </a:solidFill>
+                <a:effectLst/>
+                <a:highlight>
+                  <a:srgbClr val="F6F7F8"/>
+                </a:highlight>
+                <a:latin typeface="Graphik Meetup"/>
+              </a:rPr>
+              <a:t> od </a:t>
+            </a:r>
+            <a:r>
+              <a:rPr lang="en-US" b="0" i="0" dirty="0" err="1">
+                <a:solidFill>
+                  <a:srgbClr val="000000"/>
+                </a:solidFill>
+                <a:effectLst/>
+                <a:highlight>
+                  <a:srgbClr val="F6F7F8"/>
+                </a:highlight>
+                <a:latin typeface="Graphik Meetup"/>
+              </a:rPr>
+              <a:t>velikih</a:t>
+            </a:r>
+            <a:r>
+              <a:rPr lang="en-US" b="0" i="0" dirty="0">
+                <a:solidFill>
+                  <a:srgbClr val="000000"/>
+                </a:solidFill>
+                <a:effectLst/>
+                <a:highlight>
+                  <a:srgbClr val="F6F7F8"/>
+                </a:highlight>
+                <a:latin typeface="Graphik Meetup"/>
+              </a:rPr>
+              <a:t> Microsoft </a:t>
+            </a:r>
+            <a:r>
+              <a:rPr lang="en-US" b="0" i="0" dirty="0" err="1">
+                <a:solidFill>
+                  <a:srgbClr val="000000"/>
+                </a:solidFill>
+                <a:effectLst/>
+                <a:highlight>
+                  <a:srgbClr val="F6F7F8"/>
+                </a:highlight>
+                <a:latin typeface="Graphik Meetup"/>
+              </a:rPr>
+              <a:t>partnera</a:t>
             </a:r>
             <a:r>
               <a:rPr lang="en-US" b="0" i="0" dirty="0">
@@ -6773,10 +6955,10 @@
       </p:sp>
       <p:pic>
         <p:nvPicPr>
-          <p:cNvPr id="7" name="Picture 6" descr="A logo with a person in the middle&#10;&#10;Description automatically generated">
+          <p:cNvPr id="5" name="Picture 4" descr="A blue text on a white background&#10;&#10;Description automatically generated">
             <a:extLst>
               <a:ext uri="{FF2B5EF4-FFF2-40B4-BE49-F238E27FC236}">
-                <a16:creationId xmlns:a16="http://schemas.microsoft.com/office/drawing/2014/main" id="{05392C8F-0124-F0F0-F09A-C09AB1580951}"/>
+                <a16:creationId xmlns:a16="http://schemas.microsoft.com/office/drawing/2014/main" id="{0EAF9D7C-19E5-3782-E22E-A3E930E2F91F}"/>
               </a:ext>
             </a:extLst>
           </p:cNvPr>
@@ -6799,8 +6981,8 @@
         </p:blipFill>
         <p:spPr>
           <a:xfrm>
-            <a:off x="3436883" y="5597532"/>
-            <a:ext cx="746234" cy="773125"/>
+            <a:off x="5727349" y="4606131"/>
+            <a:ext cx="4221480" cy="719328"/>
           </a:xfrm>
           <a:prstGeom prst="rect">
             <a:avLst/>
@@ -7524,6 +7706,53 @@
               </a:rPr>
               <a:t> primer</a:t>
             </a:r>
+          </a:p>
+          <a:p>
+            <a:r>
+              <a:rPr lang="en-US" dirty="0" err="1">
+                <a:solidFill>
+                  <a:srgbClr val="000000"/>
+                </a:solidFill>
+                <a:latin typeface="Graphik Meetup"/>
+              </a:rPr>
+              <a:t>Pitanja</a:t>
+            </a:r>
+            <a:r>
+              <a:rPr lang="en-US" dirty="0">
+                <a:solidFill>
+                  <a:srgbClr val="000000"/>
+                </a:solidFill>
+                <a:latin typeface="Graphik Meetup"/>
+              </a:rPr>
+              <a:t> </a:t>
+            </a:r>
+            <a:r>
+              <a:rPr lang="en-US" dirty="0" err="1">
+                <a:solidFill>
+                  <a:srgbClr val="000000"/>
+                </a:solidFill>
+                <a:latin typeface="Graphik Meetup"/>
+              </a:rPr>
+              <a:t>i</a:t>
+            </a:r>
+            <a:r>
+              <a:rPr lang="en-US" dirty="0">
+                <a:solidFill>
+                  <a:srgbClr val="000000"/>
+                </a:solidFill>
+                <a:latin typeface="Graphik Meetup"/>
+              </a:rPr>
+              <a:t> </a:t>
+            </a:r>
+            <a:r>
+              <a:rPr lang="en-US" dirty="0" err="1">
+                <a:solidFill>
+                  <a:srgbClr val="000000"/>
+                </a:solidFill>
+                <a:latin typeface="Graphik Meetup"/>
+              </a:rPr>
+              <a:t>odgovori</a:t>
+            </a:r>
             <a:endParaRPr lang="en-US" dirty="0"/>
           </a:p>
         </p:txBody>
@@ -7856,7 +8085,7 @@
             </a:r>
             <a:r>
               <a:rPr lang="en-US" dirty="0" err="1"/>
-              <a:t>ProcesuirajUplatu</a:t>
+              <a:t>ObradiUplatu</a:t>
             </a:r>
             <a:r>
               <a:rPr lang="en-US" dirty="0"/>
@@ -8013,7 +8242,7 @@
             </a:r>
             <a:r>
               <a:rPr lang="en-US" sz="1600" dirty="0" err="1"/>
-              <a:t>ProcesuirajUplatu</a:t>
+              <a:t>ObradiUplatu</a:t>
             </a:r>
             <a:r>
               <a:rPr lang="en-US" sz="1600" dirty="0"/>
@@ -8117,7 +8346,7 @@
             </a:r>
             <a:r>
               <a:rPr lang="en-US" sz="1600" dirty="0" err="1"/>
-              <a:t>procesuira</a:t>
+              <a:t>obradjuje</a:t>
             </a:r>
             <a:r>
               <a:rPr lang="en-US" sz="1600" dirty="0"/>
@@ -8241,7 +8470,7 @@
               <a:rPr lang="en-US" dirty="0" err="1">
                 <a:latin typeface="Calibri Light (Headings)"/>
               </a:rPr>
-              <a:t>ProcesuirajUplatu</a:t>
+              <a:t>ObradiUplatu</a:t>
             </a:r>
             <a:r>
               <a:rPr lang="en-US" dirty="0">
@@ -8382,7 +8611,7 @@
               <a:rPr lang="en-US" dirty="0" err="1">
                 <a:latin typeface="Calibri Light (Headings)"/>
               </a:rPr>
-              <a:t>procesuira</a:t>
+              <a:t>obradjuje</a:t>
             </a:r>
             <a:r>
               <a:rPr lang="en-US" dirty="0">
@@ -8610,7 +8839,7 @@
             </a:r>
             <a:r>
               <a:rPr lang="en-US" dirty="0" err="1"/>
-              <a:t>Elekrtonski</a:t>
+              <a:t>Elektronski</a:t>
             </a:r>
             <a:r>
               <a:rPr lang="en-US" dirty="0"/>
